--- a/PPT/陈钦波答辩ppt.pptx
+++ b/PPT/陈钦波答辩ppt.pptx
@@ -6659,7 +6659,7 @@
   <p:clrMapOvr>
     <a:masterClrMapping/>
   </p:clrMapOvr>
-  <p:transition advTm="13328"/>
+  <p:transition advTm="12797"/>
   <p:timing>
     <p:tnLst>
       <p:par>
@@ -7090,7 +7090,7 @@
   <p:clrMapOvr>
     <a:masterClrMapping/>
   </p:clrMapOvr>
-  <p:transition advTm="9891"/>
+  <p:transition advTm="17078"/>
   <p:timing>
     <p:tnLst>
       <p:par>
@@ -7620,7 +7620,7 @@
   <p:clrMapOvr>
     <a:masterClrMapping/>
   </p:clrMapOvr>
-  <p:transition advTm="18562"/>
+  <p:transition advTm="16234"/>
   <p:timing>
     <p:tnLst>
       <p:par>
@@ -8092,7 +8092,7 @@
   <p:clrMapOvr>
     <a:masterClrMapping/>
   </p:clrMapOvr>
-  <p:transition advTm="24001"/>
+  <p:transition advTm="28187"/>
   <p:timing>
     <p:tnLst>
       <p:par>
@@ -8728,7 +8728,7 @@
   <p:clrMapOvr>
     <a:masterClrMapping/>
   </p:clrMapOvr>
-  <p:transition advTm="20297"/>
+  <p:transition advTm="23360"/>
   <p:timing>
     <p:tnLst>
       <p:par>
@@ -9235,7 +9235,7 @@
   <p:clrMapOvr>
     <a:masterClrMapping/>
   </p:clrMapOvr>
-  <p:transition advTm="5141"/>
+  <p:transition advTm="34703"/>
   <p:timing>
     <p:tnLst>
       <p:par>
@@ -9630,7 +9630,7 @@
       </p:sp>
       <p:pic>
         <p:nvPicPr>
-          <p:cNvPr id="20" name="图片 19"/>
+          <p:cNvPr id="12" name="图片 11"/>
           <p:cNvPicPr/>
           <p:nvPr/>
         </p:nvPicPr>
@@ -9643,37 +9643,7 @@
         </p:blipFill>
         <p:spPr bwMode="auto">
           <a:xfrm>
-            <a:off x="805493" y="1000108"/>
-            <a:ext cx="6338275" cy="4429156"/>
-          </a:xfrm>
-          <a:prstGeom prst="rect">
-            <a:avLst/>
-          </a:prstGeom>
-          <a:noFill/>
-          <a:ln w="9525">
-            <a:noFill/>
-            <a:miter lim="800000"/>
-            <a:headEnd/>
-            <a:tailEnd/>
-          </a:ln>
-        </p:spPr>
-      </p:pic>
-      <p:pic>
-        <p:nvPicPr>
-          <p:cNvPr id="12" name="图片 11"/>
-          <p:cNvPicPr/>
-          <p:nvPr/>
-        </p:nvPicPr>
-        <p:blipFill>
-          <a:blip r:embed="rId6"/>
-          <a:srcRect/>
-          <a:stretch>
-            <a:fillRect/>
-          </a:stretch>
-        </p:blipFill>
-        <p:spPr bwMode="auto">
-          <a:xfrm>
-            <a:off x="957893" y="1152508"/>
+            <a:off x="1571604" y="1000108"/>
             <a:ext cx="6338275" cy="4429156"/>
           </a:xfrm>
           <a:prstGeom prst="rect">
@@ -9698,7 +9668,7 @@
   <p:clrMapOvr>
     <a:masterClrMapping/>
   </p:clrMapOvr>
-  <p:transition advTm="74485"/>
+  <p:transition advTm="44657"/>
   <p:timing>
     <p:tnLst>
       <p:par>
@@ -10131,7 +10101,7 @@
   <p:clrMapOvr>
     <a:masterClrMapping/>
   </p:clrMapOvr>
-  <p:transition advTm="8094"/>
+  <p:transition advTm="1203"/>
   <p:timing>
     <p:tnLst>
       <p:par>
@@ -10564,7 +10534,7 @@
   <p:clrMapOvr>
     <a:masterClrMapping/>
   </p:clrMapOvr>
-  <p:transition advTm="8094"/>
+  <p:transition advTm="12907"/>
   <p:timing>
     <p:tnLst>
       <p:par>
@@ -11144,7 +11114,7 @@
   <p:clrMapOvr>
     <a:masterClrMapping/>
   </p:clrMapOvr>
-  <p:transition advTm="3563"/>
+  <p:transition advTm="5531"/>
   <p:timing>
     <p:tnLst>
       <p:par>
@@ -11828,7 +11798,7 @@
   <p:clrMapOvr>
     <a:masterClrMapping/>
   </p:clrMapOvr>
-  <p:transition advTm="12422"/>
+  <p:transition advTm="23297"/>
   <p:timing>
     <p:tnLst>
       <p:par>
@@ -12397,7 +12367,7 @@
   <p:clrMapOvr>
     <a:masterClrMapping/>
   </p:clrMapOvr>
-  <p:transition advTm="17578"/>
+  <p:transition advTm="14828"/>
   <p:timing>
     <p:tnLst>
       <p:par>
@@ -13069,7 +13039,7 @@
   <p:clrMapOvr>
     <a:masterClrMapping/>
   </p:clrMapOvr>
-  <p:transition advTm="3078"/>
+  <p:transition advTm="10766"/>
   <p:timing>
     <p:tnLst>
       <p:par>
@@ -13801,7 +13771,7 @@
   <p:clrMapOvr>
     <a:masterClrMapping/>
   </p:clrMapOvr>
-  <p:transition advTm="23860"/>
+  <p:transition advTm="41422"/>
   <p:timing>
     <p:tnLst>
       <p:par>
@@ -14477,7 +14447,7 @@
   <p:clrMapOvr>
     <a:masterClrMapping/>
   </p:clrMapOvr>
-  <p:transition advTm="9594"/>
+  <p:transition advTm="11453"/>
   <p:timing>
     <p:tnLst>
       <p:par>
@@ -15167,7 +15137,7 @@
   <p:clrMapOvr>
     <a:masterClrMapping/>
   </p:clrMapOvr>
-  <p:transition advTm="5688"/>
+  <p:transition advTm="10922"/>
   <p:timing>
     <p:tnLst>
       <p:par>
@@ -15972,7 +15942,7 @@
   <p:clrMapOvr>
     <a:masterClrMapping/>
   </p:clrMapOvr>
-  <p:transition advTm="3063"/>
+  <p:transition advTm="8171"/>
   <p:timing>
     <p:tnLst>
       <p:par>
@@ -16851,7 +16821,7 @@
   <p:clrMapOvr>
     <a:masterClrMapping/>
   </p:clrMapOvr>
-  <p:transition advTm="5813"/>
+  <p:transition advTm="6188"/>
   <p:timing>
     <p:tnLst>
       <p:par>
@@ -17844,7 +17814,7 @@
   <p:clrMapOvr>
     <a:masterClrMapping/>
   </p:clrMapOvr>
-  <p:transition advTm="2047"/>
+  <p:transition advTm="656"/>
   <p:timing>
     <p:tnLst>
       <p:par>
@@ -18839,7 +18809,7 @@
   <p:clrMapOvr>
     <a:masterClrMapping/>
   </p:clrMapOvr>
-  <p:transition advTm="11187"/>
+  <p:transition advTm="11953"/>
   <p:timing>
     <p:tnLst>
       <p:par>
@@ -20178,7 +20148,7 @@
   <p:clrMapOvr>
     <a:masterClrMapping/>
   </p:clrMapOvr>
-  <p:transition advTm="25203"/>
+  <p:transition advTm="24969"/>
   <p:timing>
     <p:tnLst>
       <p:par>
@@ -21133,7 +21103,7 @@
   <p:clrMapOvr>
     <a:masterClrMapping/>
   </p:clrMapOvr>
-  <p:transition advTm="16906"/>
+  <p:transition advTm="24453"/>
   <p:timing>
     <p:tnLst>
       <p:par>
@@ -21719,7 +21689,7 @@
   <p:clrMapOvr>
     <a:masterClrMapping/>
   </p:clrMapOvr>
-  <p:transition advTm="9469"/>
+  <p:transition advTm="2563"/>
   <p:timing>
     <p:tnLst>
       <p:par>
@@ -22644,7 +22614,7 @@
   <p:clrMapOvr>
     <a:masterClrMapping/>
   </p:clrMapOvr>
-  <p:transition advTm="19171"/>
+  <p:transition advTm="13719"/>
   <p:timing>
     <p:tnLst>
       <p:par>
@@ -23230,7 +23200,7 @@
   <p:clrMapOvr>
     <a:masterClrMapping/>
   </p:clrMapOvr>
-  <p:transition advTm="1391"/>
+  <p:transition advTm="3063"/>
   <p:timing>
     <p:tnLst>
       <p:par>
@@ -24124,7 +24094,7 @@
   <p:clrMapOvr>
     <a:masterClrMapping/>
   </p:clrMapOvr>
-  <p:transition advTm="7593"/>
+  <p:transition advTm="11562"/>
   <p:timing>
     <p:tnLst>
       <p:par>
@@ -24994,7 +24964,7 @@
   <p:clrMapOvr>
     <a:masterClrMapping/>
   </p:clrMapOvr>
-  <p:transition advTm="7593"/>
+  <p:transition advTm="14375"/>
   <p:timing>
     <p:tnLst>
       <p:par>
@@ -25099,7 +25069,7 @@
   <p:clrMapOvr>
     <a:masterClrMapping/>
   </p:clrMapOvr>
-  <p:transition advTm="1328"/>
+  <p:transition advTm="828"/>
   <p:timing>
     <p:tnLst>
       <p:par>
@@ -25702,7 +25672,7 @@
   <p:clrMapOvr>
     <a:masterClrMapping/>
   </p:clrMapOvr>
-  <p:transition advTm="27156"/>
+  <p:transition advTm="22484"/>
   <p:timing>
     <p:tnLst>
       <p:par>
@@ -26071,7 +26041,7 @@
   <p:clrMapOvr>
     <a:masterClrMapping/>
   </p:clrMapOvr>
-  <p:transition advTm="40672"/>
+  <p:transition advTm="18312"/>
   <p:timing>
     <p:tnLst>
       <p:par>
@@ -26472,7 +26442,7 @@
   <p:clrMapOvr>
     <a:masterClrMapping/>
   </p:clrMapOvr>
-  <p:transition advTm="36062"/>
+  <p:transition advTm="25609"/>
   <p:timing>
     <p:tnLst>
       <p:par>
@@ -27064,7 +27034,7 @@
   <p:clrMapOvr>
     <a:masterClrMapping/>
   </p:clrMapOvr>
-  <p:transition advTm="14781"/>
+  <p:transition advTm="7109"/>
   <p:timing>
     <p:tnLst>
       <p:par>
@@ -27678,7 +27648,7 @@
   <p:clrMapOvr>
     <a:masterClrMapping/>
   </p:clrMapOvr>
-  <p:transition advTm="63031"/>
+  <p:transition advTm="50469"/>
   <p:timing>
     <p:tnLst>
       <p:par>
@@ -28128,7 +28098,7 @@
   <p:clrMapOvr>
     <a:masterClrMapping/>
   </p:clrMapOvr>
-  <p:transition advTm="73765"/>
+  <p:transition advTm="62954"/>
   <p:timing>
     <p:tnLst>
       <p:par>
@@ -28323,25 +28293,25 @@
 
 <file path=ppt/tags/tag1.xml><?xml version="1.0" encoding="utf-8"?>
 <p:tagLst xmlns:a="http://schemas.openxmlformats.org/drawingml/2006/main" xmlns:r="http://schemas.openxmlformats.org/officeDocument/2006/relationships" xmlns:p="http://schemas.openxmlformats.org/presentationml/2006/main">
-  <p:tag name="TIMING" val="|1.3|18.8|31.5"/>
+  <p:tag name="TIMING" val="|0.9|12.9|31"/>
 </p:tagLst>
 </file>
 
 <file path=ppt/tags/tag2.xml><?xml version="1.0" encoding="utf-8"?>
 <p:tagLst xmlns:a="http://schemas.openxmlformats.org/drawingml/2006/main" xmlns:r="http://schemas.openxmlformats.org/officeDocument/2006/relationships" xmlns:p="http://schemas.openxmlformats.org/presentationml/2006/main">
-  <p:tag name="TIMING" val="|4.3"/>
+  <p:tag name="TIMING" val="|3"/>
 </p:tagLst>
 </file>
 
 <file path=ppt/tags/tag3.xml><?xml version="1.0" encoding="utf-8"?>
 <p:tagLst xmlns:a="http://schemas.openxmlformats.org/drawingml/2006/main" xmlns:r="http://schemas.openxmlformats.org/officeDocument/2006/relationships" xmlns:p="http://schemas.openxmlformats.org/presentationml/2006/main">
-  <p:tag name="TIMING" val="|1|1.1"/>
+  <p:tag name="TIMING" val="|0.7|11.7"/>
 </p:tagLst>
 </file>
 
 <file path=ppt/tags/tag4.xml><?xml version="1.0" encoding="utf-8"?>
 <p:tagLst xmlns:a="http://schemas.openxmlformats.org/drawingml/2006/main" xmlns:r="http://schemas.openxmlformats.org/officeDocument/2006/relationships" xmlns:p="http://schemas.openxmlformats.org/presentationml/2006/main">
-  <p:tag name="TIMING" val="|1.5|0.8"/>
+  <p:tag name="TIMING" val="|5.2|1"/>
 </p:tagLst>
 </file>
 
